--- a/SimWorkflow.pptx
+++ b/SimWorkflow.pptx
@@ -4165,7 +4165,7 @@
             </a:r>
             <a:r>
               <a:rPr lang="en-US" sz="1000" dirty="0"/>
-              <a:t> task from FTP server (see example)</a:t>
+              <a:t> task from task list (see example)</a:t>
             </a:r>
           </a:p>
         </p:txBody>
@@ -4412,21 +4412,25 @@
           <a:prstGeom prst="line">
             <a:avLst/>
           </a:prstGeom>
-          <a:ln>
-            <a:solidFill>
-              <a:schemeClr val="tx1"/>
-            </a:solidFill>
+          <a:ln w="9525" cap="flat" cmpd="sng" algn="ctr">
+            <a:solidFill>
+              <a:schemeClr val="dk1"/>
+            </a:solidFill>
+            <a:prstDash val="dash"/>
+            <a:round/>
+            <a:headEnd type="none" w="med" len="med"/>
+            <a:tailEnd type="none" w="med" len="med"/>
           </a:ln>
         </p:spPr>
         <p:style>
-          <a:lnRef idx="1">
-            <a:schemeClr val="accent1"/>
+          <a:lnRef idx="0">
+            <a:scrgbClr r="0" g="0" b="0"/>
           </a:lnRef>
           <a:fillRef idx="0">
-            <a:schemeClr val="accent1"/>
+            <a:scrgbClr r="0" g="0" b="0"/>
           </a:fillRef>
           <a:effectRef idx="0">
-            <a:schemeClr val="accent1"/>
+            <a:scrgbClr r="0" g="0" b="0"/>
           </a:effectRef>
           <a:fontRef idx="minor">
             <a:schemeClr val="tx1"/>
@@ -4543,7 +4547,12 @@
           <a:prstGeom prst="rect">
             <a:avLst/>
           </a:prstGeom>
-          <a:noFill/>
+          <a:solidFill>
+            <a:schemeClr val="accent4">
+              <a:lumMod val="20000"/>
+              <a:lumOff val="80000"/>
+            </a:schemeClr>
+          </a:solidFill>
           <a:ln>
             <a:solidFill>
               <a:schemeClr val="tx1"/>
@@ -4623,8 +4632,8 @@
         </p:nvSpPr>
         <p:spPr>
           <a:xfrm>
-            <a:off x="865416" y="1494061"/>
-            <a:ext cx="1814286" cy="400110"/>
+            <a:off x="490768" y="1494061"/>
+            <a:ext cx="2563582" cy="400110"/>
           </a:xfrm>
           <a:prstGeom prst="rect">
             <a:avLst/>
@@ -4681,7 +4690,7 @@
           </a:xfrm>
           <a:prstGeom prst="bentConnector3">
             <a:avLst>
-              <a:gd name="adj1" fmla="val 27487"/>
+              <a:gd name="adj1" fmla="val 50000"/>
             </a:avLst>
           </a:prstGeom>
           <a:ln>
@@ -5037,14 +5046,7 @@
                 <a:latin typeface="+mj-lt"/>
                 <a:cs typeface="Courier New" panose="02070309020205020404" pitchFamily="49" charset="0"/>
               </a:rPr>
-              <a:t> = 0 if saved == 0 </a:t>
-            </a:r>
-            <a:r>
-              <a:rPr lang="en-US" sz="1000">
-                <a:latin typeface="+mj-lt"/>
-                <a:cs typeface="Courier New" panose="02070309020205020404" pitchFamily="49" charset="0"/>
-              </a:rPr>
-              <a:t>upon restart.</a:t>
+              <a:t> = 0 if saved == 0 upon restart.</a:t>
             </a:r>
             <a:endParaRPr lang="en-US" sz="1000" dirty="0">
               <a:latin typeface="Courier New" panose="02070309020205020404" pitchFamily="49" charset="0"/>
@@ -5681,8 +5683,8 @@
         </p:nvSpPr>
         <p:spPr>
           <a:xfrm>
-            <a:off x="15354299" y="1264660"/>
-            <a:ext cx="2374900" cy="553998"/>
+            <a:off x="15459074" y="1342418"/>
+            <a:ext cx="2374900" cy="400110"/>
           </a:xfrm>
           <a:prstGeom prst="rect">
             <a:avLst/>
@@ -5711,7 +5713,7 @@
             </a:r>
             <a:r>
               <a:rPr lang="en-US" sz="1000" dirty="0"/>
-              <a:t> with automatic pushes following changes to task list</a:t>
+              <a:t> with static assignments</a:t>
             </a:r>
           </a:p>
         </p:txBody>
@@ -5734,7 +5736,7 @@
         <p:spPr>
           <a:xfrm>
             <a:off x="15049501" y="1541659"/>
-            <a:ext cx="304798" cy="0"/>
+            <a:ext cx="409573" cy="814"/>
           </a:xfrm>
           <a:prstGeom prst="line">
             <a:avLst/>
@@ -6148,7 +6150,7 @@
             <a:pPr algn="ctr"/>
             <a:r>
               <a:rPr lang="en-US" sz="1000" dirty="0"/>
-              <a:t>Save jags output to .</a:t>
+              <a:t>Save individual outputs to .</a:t>
             </a:r>
             <a:r>
               <a:rPr lang="en-US" sz="1000" dirty="0" err="1"/>
@@ -6175,8 +6177,8 @@
         </p:nvSpPr>
         <p:spPr>
           <a:xfrm>
-            <a:off x="3838186" y="10755917"/>
-            <a:ext cx="1643712" cy="707886"/>
+            <a:off x="3889751" y="10831771"/>
+            <a:ext cx="1643712" cy="553998"/>
           </a:xfrm>
           <a:prstGeom prst="rect">
             <a:avLst/>
@@ -6197,7 +6199,7 @@
             <a:pPr algn="ctr"/>
             <a:r>
               <a:rPr lang="en-US" sz="1000" dirty="0"/>
-              <a:t>Save selective output from jags output into matrix/</a:t>
+              <a:t>Save selective output into matrix/</a:t>
             </a:r>
             <a:r>
               <a:rPr lang="en-US" sz="1000" dirty="0" err="1"/>
@@ -6234,9 +6236,9 @@
           <p:nvPr/>
         </p:nvCxnSpPr>
         <p:spPr>
-          <a:xfrm>
-            <a:off x="3429011" y="11109860"/>
-            <a:ext cx="409175" cy="0"/>
+          <a:xfrm flipV="1">
+            <a:off x="3429011" y="11108770"/>
+            <a:ext cx="460740" cy="1090"/>
           </a:xfrm>
           <a:prstGeom prst="line">
             <a:avLst/>
@@ -6333,8 +6335,8 @@
         </p:nvCxnSpPr>
         <p:spPr>
           <a:xfrm>
-            <a:off x="5481898" y="11109860"/>
-            <a:ext cx="343832" cy="0"/>
+            <a:off x="5533463" y="11108770"/>
+            <a:ext cx="292267" cy="1090"/>
           </a:xfrm>
           <a:prstGeom prst="line">
             <a:avLst/>
@@ -6473,21 +6475,25 @@
           <a:prstGeom prst="bentConnector2">
             <a:avLst/>
           </a:prstGeom>
-          <a:ln>
-            <a:solidFill>
-              <a:schemeClr val="tx1"/>
-            </a:solidFill>
+          <a:ln w="9525" cap="flat" cmpd="sng" algn="ctr">
+            <a:solidFill>
+              <a:schemeClr val="dk1"/>
+            </a:solidFill>
+            <a:prstDash val="dash"/>
+            <a:round/>
+            <a:headEnd type="none" w="med" len="med"/>
+            <a:tailEnd type="none" w="med" len="med"/>
           </a:ln>
         </p:spPr>
         <p:style>
-          <a:lnRef idx="1">
-            <a:schemeClr val="accent1"/>
+          <a:lnRef idx="0">
+            <a:scrgbClr r="0" g="0" b="0"/>
           </a:lnRef>
           <a:fillRef idx="0">
-            <a:schemeClr val="accent1"/>
+            <a:scrgbClr r="0" g="0" b="0"/>
           </a:fillRef>
           <a:effectRef idx="0">
-            <a:schemeClr val="accent1"/>
+            <a:scrgbClr r="0" g="0" b="0"/>
           </a:effectRef>
           <a:fontRef idx="minor">
             <a:schemeClr val="tx1"/>
@@ -6508,8 +6514,8 @@
         </p:nvSpPr>
         <p:spPr>
           <a:xfrm>
-            <a:off x="8178409" y="8244268"/>
-            <a:ext cx="1923925" cy="246221"/>
+            <a:off x="8616028" y="8244268"/>
+            <a:ext cx="1048685" cy="246221"/>
           </a:xfrm>
           <a:prstGeom prst="rect">
             <a:avLst/>
@@ -6530,7 +6536,7 @@
             <a:pPr algn="ctr"/>
             <a:r>
               <a:rPr lang="en-US" sz="1000" dirty="0"/>
-              <a:t>Query from FTP server free tasks</a:t>
+              <a:t>Query free tasks</a:t>
             </a:r>
           </a:p>
         </p:txBody>
@@ -6552,8 +6558,8 @@
         </p:nvCxnSpPr>
         <p:spPr>
           <a:xfrm>
-            <a:off x="9140372" y="8490489"/>
-            <a:ext cx="4238" cy="216201"/>
+            <a:off x="9140371" y="8490489"/>
+            <a:ext cx="4239" cy="216201"/>
           </a:xfrm>
           <a:prstGeom prst="line">
             <a:avLst/>
@@ -6596,8 +6602,8 @@
         </p:nvCxnSpPr>
         <p:spPr>
           <a:xfrm rot="5400000">
-            <a:off x="4588852" y="10629987"/>
-            <a:ext cx="197120" cy="54740"/>
+            <a:off x="4576708" y="10693697"/>
+            <a:ext cx="272974" cy="3175"/>
           </a:xfrm>
           <a:prstGeom prst="bentConnector3">
             <a:avLst/>
@@ -6690,8 +6696,8 @@
         </p:nvCxnSpPr>
         <p:spPr>
           <a:xfrm>
-            <a:off x="1772559" y="2048059"/>
-            <a:ext cx="0" cy="1518398"/>
+            <a:off x="1772559" y="1894171"/>
+            <a:ext cx="0" cy="1672286"/>
           </a:xfrm>
           <a:prstGeom prst="line">
             <a:avLst/>
@@ -6916,7 +6922,7 @@
         <p:spPr>
           <a:xfrm rot="5400000">
             <a:off x="9243764" y="7195586"/>
-            <a:ext cx="945290" cy="1152074"/>
+            <a:ext cx="945290" cy="1152075"/>
           </a:xfrm>
           <a:prstGeom prst="bentConnector3">
             <a:avLst>
@@ -6961,8 +6967,8 @@
         </p:nvCxnSpPr>
         <p:spPr>
           <a:xfrm rot="16200000" flipH="1">
-            <a:off x="8318889" y="7422784"/>
-            <a:ext cx="206685" cy="1436281"/>
+            <a:off x="8318889" y="7422785"/>
+            <a:ext cx="206685" cy="1436280"/>
           </a:xfrm>
           <a:prstGeom prst="bentConnector3">
             <a:avLst/>
@@ -7084,6 +7090,52 @@
           </a:fontRef>
         </p:style>
       </p:cxnSp>
+      <p:sp>
+        <p:nvSpPr>
+          <p:cNvPr id="11" name="TextBox 10">
+            <a:extLst>
+              <a:ext uri="{FF2B5EF4-FFF2-40B4-BE49-F238E27FC236}">
+                <a16:creationId xmlns:a16="http://schemas.microsoft.com/office/drawing/2014/main" id="{EDB85959-5A67-4C07-9467-5311AA0B89F0}"/>
+              </a:ext>
+            </a:extLst>
+          </p:cNvPr>
+          <p:cNvSpPr txBox="1"/>
+          <p:nvPr/>
+        </p:nvSpPr>
+        <p:spPr>
+          <a:xfrm>
+            <a:off x="13221015" y="2049489"/>
+            <a:ext cx="380233" cy="246221"/>
+          </a:xfrm>
+          <a:prstGeom prst="rect">
+            <a:avLst/>
+          </a:prstGeom>
+          <a:solidFill>
+            <a:schemeClr val="accent4">
+              <a:lumMod val="20000"/>
+              <a:lumOff val="80000"/>
+            </a:schemeClr>
+          </a:solidFill>
+          <a:ln>
+            <a:solidFill>
+              <a:schemeClr val="tx1"/>
+            </a:solidFill>
+          </a:ln>
+        </p:spPr>
+        <p:txBody>
+          <a:bodyPr wrap="none" rtlCol="0">
+            <a:spAutoFit/>
+          </a:bodyPr>
+          <a:lstStyle/>
+          <a:p>
+            <a:pPr algn="ctr"/>
+            <a:r>
+              <a:rPr lang="en-US" sz="1000" dirty="0"/>
+              <a:t>AW</a:t>
+            </a:r>
+          </a:p>
+        </p:txBody>
+      </p:sp>
     </p:spTree>
     <p:extLst>
       <p:ext uri="{BB962C8B-B14F-4D97-AF65-F5344CB8AC3E}">

--- a/SimWorkflow.pptx
+++ b/SimWorkflow.pptx
@@ -204,7 +204,7 @@
           <a:p>
             <a:fld id="{1F7E09F9-D664-4B18-A55F-B3C41451A66B}" type="datetimeFigureOut">
               <a:rPr lang="en-US" smtClean="0"/>
-              <a:t>3/14/2018</a:t>
+              <a:t>3/15/2018</a:t>
             </a:fld>
             <a:endParaRPr lang="en-US"/>
           </a:p>
@@ -968,7 +968,7 @@
           <a:p>
             <a:fld id="{C24FD2B2-38B1-413B-89A8-6E1364062D47}" type="datetimeFigureOut">
               <a:rPr lang="en-US" smtClean="0"/>
-              <a:t>3/14/2018</a:t>
+              <a:t>3/15/2018</a:t>
             </a:fld>
             <a:endParaRPr lang="en-US"/>
           </a:p>
@@ -1138,7 +1138,7 @@
           <a:p>
             <a:fld id="{C24FD2B2-38B1-413B-89A8-6E1364062D47}" type="datetimeFigureOut">
               <a:rPr lang="en-US" smtClean="0"/>
-              <a:t>3/14/2018</a:t>
+              <a:t>3/15/2018</a:t>
             </a:fld>
             <a:endParaRPr lang="en-US"/>
           </a:p>
@@ -1318,7 +1318,7 @@
           <a:p>
             <a:fld id="{C24FD2B2-38B1-413B-89A8-6E1364062D47}" type="datetimeFigureOut">
               <a:rPr lang="en-US" smtClean="0"/>
-              <a:t>3/14/2018</a:t>
+              <a:t>3/15/2018</a:t>
             </a:fld>
             <a:endParaRPr lang="en-US"/>
           </a:p>
@@ -1488,7 +1488,7 @@
           <a:p>
             <a:fld id="{C24FD2B2-38B1-413B-89A8-6E1364062D47}" type="datetimeFigureOut">
               <a:rPr lang="en-US" smtClean="0"/>
-              <a:t>3/14/2018</a:t>
+              <a:t>3/15/2018</a:t>
             </a:fld>
             <a:endParaRPr lang="en-US"/>
           </a:p>
@@ -1732,7 +1732,7 @@
           <a:p>
             <a:fld id="{C24FD2B2-38B1-413B-89A8-6E1364062D47}" type="datetimeFigureOut">
               <a:rPr lang="en-US" smtClean="0"/>
-              <a:t>3/14/2018</a:t>
+              <a:t>3/15/2018</a:t>
             </a:fld>
             <a:endParaRPr lang="en-US"/>
           </a:p>
@@ -1964,7 +1964,7 @@
           <a:p>
             <a:fld id="{C24FD2B2-38B1-413B-89A8-6E1364062D47}" type="datetimeFigureOut">
               <a:rPr lang="en-US" smtClean="0"/>
-              <a:t>3/14/2018</a:t>
+              <a:t>3/15/2018</a:t>
             </a:fld>
             <a:endParaRPr lang="en-US"/>
           </a:p>
@@ -2331,7 +2331,7 @@
           <a:p>
             <a:fld id="{C24FD2B2-38B1-413B-89A8-6E1364062D47}" type="datetimeFigureOut">
               <a:rPr lang="en-US" smtClean="0"/>
-              <a:t>3/14/2018</a:t>
+              <a:t>3/15/2018</a:t>
             </a:fld>
             <a:endParaRPr lang="en-US"/>
           </a:p>
@@ -2449,7 +2449,7 @@
           <a:p>
             <a:fld id="{C24FD2B2-38B1-413B-89A8-6E1364062D47}" type="datetimeFigureOut">
               <a:rPr lang="en-US" smtClean="0"/>
-              <a:t>3/14/2018</a:t>
+              <a:t>3/15/2018</a:t>
             </a:fld>
             <a:endParaRPr lang="en-US"/>
           </a:p>
@@ -2544,7 +2544,7 @@
           <a:p>
             <a:fld id="{C24FD2B2-38B1-413B-89A8-6E1364062D47}" type="datetimeFigureOut">
               <a:rPr lang="en-US" smtClean="0"/>
-              <a:t>3/14/2018</a:t>
+              <a:t>3/15/2018</a:t>
             </a:fld>
             <a:endParaRPr lang="en-US"/>
           </a:p>
@@ -2821,7 +2821,7 @@
           <a:p>
             <a:fld id="{C24FD2B2-38B1-413B-89A8-6E1364062D47}" type="datetimeFigureOut">
               <a:rPr lang="en-US" smtClean="0"/>
-              <a:t>3/14/2018</a:t>
+              <a:t>3/15/2018</a:t>
             </a:fld>
             <a:endParaRPr lang="en-US"/>
           </a:p>
@@ -3078,7 +3078,7 @@
           <a:p>
             <a:fld id="{C24FD2B2-38B1-413B-89A8-6E1364062D47}" type="datetimeFigureOut">
               <a:rPr lang="en-US" smtClean="0"/>
-              <a:t>3/14/2018</a:t>
+              <a:t>3/15/2018</a:t>
             </a:fld>
             <a:endParaRPr lang="en-US"/>
           </a:p>
@@ -3291,7 +3291,7 @@
           <a:p>
             <a:fld id="{C24FD2B2-38B1-413B-89A8-6E1364062D47}" type="datetimeFigureOut">
               <a:rPr lang="en-US" smtClean="0"/>
-              <a:t>3/14/2018</a:t>
+              <a:t>3/15/2018</a:t>
             </a:fld>
             <a:endParaRPr lang="en-US"/>
           </a:p>
@@ -3889,7 +3889,9 @@
           <a:prstGeom prst="rect">
             <a:avLst/>
           </a:prstGeom>
-          <a:noFill/>
+          <a:solidFill>
+            <a:srgbClr val="FFF2CC"/>
+          </a:solidFill>
           <a:ln>
             <a:solidFill>
               <a:schemeClr val="tx1"/>
@@ -4638,7 +4640,9 @@
           <a:prstGeom prst="rect">
             <a:avLst/>
           </a:prstGeom>
-          <a:noFill/>
+          <a:solidFill>
+            <a:srgbClr val="FFF2CC"/>
+          </a:solidFill>
           <a:ln>
             <a:solidFill>
               <a:schemeClr val="tx1"/>
@@ -5683,8 +5687,8 @@
         </p:nvSpPr>
         <p:spPr>
           <a:xfrm>
-            <a:off x="15459074" y="1342418"/>
-            <a:ext cx="2374900" cy="400110"/>
+            <a:off x="15459074" y="1264660"/>
+            <a:ext cx="2374900" cy="553998"/>
           </a:xfrm>
           <a:prstGeom prst="rect">
             <a:avLst/>
@@ -5713,7 +5717,7 @@
             </a:r>
             <a:r>
               <a:rPr lang="en-US" sz="1000" dirty="0"/>
-              <a:t> with static assignments</a:t>
+              <a:t> with dynamic or static assignments</a:t>
             </a:r>
           </a:p>
         </p:txBody>
@@ -5736,7 +5740,7 @@
         <p:spPr>
           <a:xfrm>
             <a:off x="15049501" y="1541659"/>
-            <a:ext cx="409573" cy="814"/>
+            <a:ext cx="409573" cy="0"/>
           </a:xfrm>
           <a:prstGeom prst="line">
             <a:avLst/>
@@ -7105,6 +7109,98 @@
         <p:spPr>
           <a:xfrm>
             <a:off x="13221015" y="2049489"/>
+            <a:ext cx="380233" cy="246221"/>
+          </a:xfrm>
+          <a:prstGeom prst="rect">
+            <a:avLst/>
+          </a:prstGeom>
+          <a:solidFill>
+            <a:schemeClr val="accent4">
+              <a:lumMod val="20000"/>
+              <a:lumOff val="80000"/>
+            </a:schemeClr>
+          </a:solidFill>
+          <a:ln>
+            <a:solidFill>
+              <a:schemeClr val="tx1"/>
+            </a:solidFill>
+          </a:ln>
+        </p:spPr>
+        <p:txBody>
+          <a:bodyPr wrap="none" rtlCol="0">
+            <a:spAutoFit/>
+          </a:bodyPr>
+          <a:lstStyle/>
+          <a:p>
+            <a:pPr algn="ctr"/>
+            <a:r>
+              <a:rPr lang="en-US" sz="1000" dirty="0"/>
+              <a:t>AW</a:t>
+            </a:r>
+          </a:p>
+        </p:txBody>
+      </p:sp>
+      <p:sp>
+        <p:nvSpPr>
+          <p:cNvPr id="66" name="TextBox 65">
+            <a:extLst>
+              <a:ext uri="{FF2B5EF4-FFF2-40B4-BE49-F238E27FC236}">
+                <a16:creationId xmlns:a16="http://schemas.microsoft.com/office/drawing/2014/main" id="{65049A77-411D-492D-BB12-457610F50BEC}"/>
+              </a:ext>
+            </a:extLst>
+          </p:cNvPr>
+          <p:cNvSpPr txBox="1"/>
+          <p:nvPr/>
+        </p:nvSpPr>
+        <p:spPr>
+          <a:xfrm>
+            <a:off x="5610688" y="2954573"/>
+            <a:ext cx="380233" cy="246221"/>
+          </a:xfrm>
+          <a:prstGeom prst="rect">
+            <a:avLst/>
+          </a:prstGeom>
+          <a:solidFill>
+            <a:schemeClr val="accent4">
+              <a:lumMod val="20000"/>
+              <a:lumOff val="80000"/>
+            </a:schemeClr>
+          </a:solidFill>
+          <a:ln>
+            <a:solidFill>
+              <a:schemeClr val="tx1"/>
+            </a:solidFill>
+          </a:ln>
+        </p:spPr>
+        <p:txBody>
+          <a:bodyPr wrap="none" rtlCol="0">
+            <a:spAutoFit/>
+          </a:bodyPr>
+          <a:lstStyle/>
+          <a:p>
+            <a:pPr algn="ctr"/>
+            <a:r>
+              <a:rPr lang="en-US" sz="1000" dirty="0"/>
+              <a:t>AW</a:t>
+            </a:r>
+          </a:p>
+        </p:txBody>
+      </p:sp>
+      <p:sp>
+        <p:nvSpPr>
+          <p:cNvPr id="67" name="TextBox 66">
+            <a:extLst>
+              <a:ext uri="{FF2B5EF4-FFF2-40B4-BE49-F238E27FC236}">
+                <a16:creationId xmlns:a16="http://schemas.microsoft.com/office/drawing/2014/main" id="{742509A8-6368-42FF-8FFC-F8F3800B0052}"/>
+              </a:ext>
+            </a:extLst>
+          </p:cNvPr>
+          <p:cNvSpPr txBox="1"/>
+          <p:nvPr/>
+        </p:nvSpPr>
+        <p:spPr>
+          <a:xfrm>
+            <a:off x="3054350" y="1569916"/>
             <a:ext cx="380233" cy="246221"/>
           </a:xfrm>
           <a:prstGeom prst="rect">

--- a/SimWorkflow.pptx
+++ b/SimWorkflow.pptx
@@ -5693,7 +5693,9 @@
           <a:prstGeom prst="rect">
             <a:avLst/>
           </a:prstGeom>
-          <a:noFill/>
+          <a:solidFill>
+            <a:srgbClr val="FFF2CC"/>
+          </a:solidFill>
           <a:ln>
             <a:solidFill>
               <a:schemeClr val="tx1"/>
@@ -7232,6 +7234,319 @@
           </a:p>
         </p:txBody>
       </p:sp>
+      <p:sp>
+        <p:nvSpPr>
+          <p:cNvPr id="68" name="TextBox 67">
+            <a:extLst>
+              <a:ext uri="{FF2B5EF4-FFF2-40B4-BE49-F238E27FC236}">
+                <a16:creationId xmlns:a16="http://schemas.microsoft.com/office/drawing/2014/main" id="{F5DCB46C-6088-4A39-A199-DFB7FE1FAC68}"/>
+              </a:ext>
+            </a:extLst>
+          </p:cNvPr>
+          <p:cNvSpPr txBox="1"/>
+          <p:nvPr/>
+        </p:nvSpPr>
+        <p:spPr>
+          <a:xfrm>
+            <a:off x="15566092" y="1018439"/>
+            <a:ext cx="380233" cy="246221"/>
+          </a:xfrm>
+          <a:prstGeom prst="rect">
+            <a:avLst/>
+          </a:prstGeom>
+          <a:solidFill>
+            <a:schemeClr val="accent4">
+              <a:lumMod val="20000"/>
+              <a:lumOff val="80000"/>
+            </a:schemeClr>
+          </a:solidFill>
+          <a:ln>
+            <a:solidFill>
+              <a:schemeClr val="tx1"/>
+            </a:solidFill>
+          </a:ln>
+        </p:spPr>
+        <p:txBody>
+          <a:bodyPr wrap="none" rtlCol="0">
+            <a:spAutoFit/>
+          </a:bodyPr>
+          <a:lstStyle/>
+          <a:p>
+            <a:pPr algn="ctr"/>
+            <a:r>
+              <a:rPr lang="en-US" sz="1000" dirty="0"/>
+              <a:t>AW</a:t>
+            </a:r>
+          </a:p>
+        </p:txBody>
+      </p:sp>
+      <p:sp>
+        <p:nvSpPr>
+          <p:cNvPr id="70" name="TextBox 69">
+            <a:extLst>
+              <a:ext uri="{FF2B5EF4-FFF2-40B4-BE49-F238E27FC236}">
+                <a16:creationId xmlns:a16="http://schemas.microsoft.com/office/drawing/2014/main" id="{CE25EDFF-60AD-46DB-8DE2-6F2D2408B5ED}"/>
+              </a:ext>
+            </a:extLst>
+          </p:cNvPr>
+          <p:cNvSpPr txBox="1"/>
+          <p:nvPr/>
+        </p:nvSpPr>
+        <p:spPr>
+          <a:xfrm>
+            <a:off x="6436107" y="8783634"/>
+            <a:ext cx="1119869" cy="400110"/>
+          </a:xfrm>
+          <a:prstGeom prst="rect">
+            <a:avLst/>
+          </a:prstGeom>
+          <a:noFill/>
+          <a:ln>
+            <a:solidFill>
+              <a:schemeClr val="tx1"/>
+            </a:solidFill>
+          </a:ln>
+        </p:spPr>
+        <p:txBody>
+          <a:bodyPr wrap="square" rtlCol="0">
+            <a:spAutoFit/>
+          </a:bodyPr>
+          <a:lstStyle/>
+          <a:p>
+            <a:pPr algn="ctr"/>
+            <a:r>
+              <a:rPr lang="en-US" sz="1000" dirty="0"/>
+              <a:t>Push to git which task(s) taken</a:t>
+            </a:r>
+          </a:p>
+        </p:txBody>
+      </p:sp>
+      <p:cxnSp>
+        <p:nvCxnSpPr>
+          <p:cNvPr id="6" name="Straight Connector 5">
+            <a:extLst>
+              <a:ext uri="{FF2B5EF4-FFF2-40B4-BE49-F238E27FC236}">
+                <a16:creationId xmlns:a16="http://schemas.microsoft.com/office/drawing/2014/main" id="{94E135D2-5E51-437A-B7D7-DA4EF8E68500}"/>
+              </a:ext>
+            </a:extLst>
+          </p:cNvPr>
+          <p:cNvCxnSpPr>
+            <a:stCxn id="70" idx="3"/>
+            <a:endCxn id="44" idx="1"/>
+          </p:cNvCxnSpPr>
+          <p:nvPr/>
+        </p:nvCxnSpPr>
+        <p:spPr>
+          <a:xfrm>
+            <a:off x="7555976" y="8983689"/>
+            <a:ext cx="1074284" cy="0"/>
+          </a:xfrm>
+          <a:prstGeom prst="line">
+            <a:avLst/>
+          </a:prstGeom>
+          <a:ln w="9525" cap="flat" cmpd="sng" algn="ctr">
+            <a:solidFill>
+              <a:schemeClr val="dk1"/>
+            </a:solidFill>
+            <a:prstDash val="dash"/>
+            <a:round/>
+            <a:headEnd type="none" w="med" len="med"/>
+            <a:tailEnd type="none" w="med" len="med"/>
+          </a:ln>
+        </p:spPr>
+        <p:style>
+          <a:lnRef idx="0">
+            <a:scrgbClr r="0" g="0" b="0"/>
+          </a:lnRef>
+          <a:fillRef idx="0">
+            <a:scrgbClr r="0" g="0" b="0"/>
+          </a:fillRef>
+          <a:effectRef idx="0">
+            <a:scrgbClr r="0" g="0" b="0"/>
+          </a:effectRef>
+          <a:fontRef idx="minor">
+            <a:schemeClr val="tx1"/>
+          </a:fontRef>
+        </p:style>
+      </p:cxnSp>
+      <p:sp>
+        <p:nvSpPr>
+          <p:cNvPr id="7" name="TextBox 6">
+            <a:extLst>
+              <a:ext uri="{FF2B5EF4-FFF2-40B4-BE49-F238E27FC236}">
+                <a16:creationId xmlns:a16="http://schemas.microsoft.com/office/drawing/2014/main" id="{A04AF220-36A0-4830-92B2-EBBE654E68E3}"/>
+              </a:ext>
+            </a:extLst>
+          </p:cNvPr>
+          <p:cNvSpPr txBox="1"/>
+          <p:nvPr/>
+        </p:nvSpPr>
+        <p:spPr>
+          <a:xfrm>
+            <a:off x="6324007" y="8299051"/>
+            <a:ext cx="1257075" cy="246221"/>
+          </a:xfrm>
+          <a:prstGeom prst="rect">
+            <a:avLst/>
+          </a:prstGeom>
+          <a:noFill/>
+          <a:ln>
+            <a:solidFill>
+              <a:schemeClr val="tx1"/>
+            </a:solidFill>
+          </a:ln>
+        </p:spPr>
+        <p:txBody>
+          <a:bodyPr wrap="none" rtlCol="0">
+            <a:spAutoFit/>
+          </a:bodyPr>
+          <a:lstStyle/>
+          <a:p>
+            <a:pPr algn="ctr"/>
+            <a:r>
+              <a:rPr lang="en-US" sz="1000" dirty="0"/>
+              <a:t>Pull task list from git</a:t>
+            </a:r>
+          </a:p>
+        </p:txBody>
+      </p:sp>
+      <p:cxnSp>
+        <p:nvCxnSpPr>
+          <p:cNvPr id="9" name="Straight Connector 8">
+            <a:extLst>
+              <a:ext uri="{FF2B5EF4-FFF2-40B4-BE49-F238E27FC236}">
+                <a16:creationId xmlns:a16="http://schemas.microsoft.com/office/drawing/2014/main" id="{CEBE2FC8-A73A-438F-911E-3ED17425B4E4}"/>
+              </a:ext>
+            </a:extLst>
+          </p:cNvPr>
+          <p:cNvCxnSpPr>
+            <a:stCxn id="7" idx="3"/>
+            <a:endCxn id="177" idx="1"/>
+          </p:cNvCxnSpPr>
+          <p:nvPr/>
+        </p:nvCxnSpPr>
+        <p:spPr>
+          <a:xfrm flipV="1">
+            <a:off x="7581082" y="8367379"/>
+            <a:ext cx="1034946" cy="54783"/>
+          </a:xfrm>
+          <a:prstGeom prst="line">
+            <a:avLst/>
+          </a:prstGeom>
+          <a:ln w="9525" cap="flat" cmpd="sng" algn="ctr">
+            <a:solidFill>
+              <a:schemeClr val="dk1"/>
+            </a:solidFill>
+            <a:prstDash val="dash"/>
+            <a:round/>
+            <a:headEnd type="none" w="med" len="med"/>
+            <a:tailEnd type="none" w="med" len="med"/>
+          </a:ln>
+        </p:spPr>
+        <p:style>
+          <a:lnRef idx="0">
+            <a:scrgbClr r="0" g="0" b="0"/>
+          </a:lnRef>
+          <a:fillRef idx="0">
+            <a:scrgbClr r="0" g="0" b="0"/>
+          </a:fillRef>
+          <a:effectRef idx="0">
+            <a:scrgbClr r="0" g="0" b="0"/>
+          </a:effectRef>
+          <a:fontRef idx="minor">
+            <a:schemeClr val="tx1"/>
+          </a:fontRef>
+        </p:style>
+      </p:cxnSp>
+      <p:sp>
+        <p:nvSpPr>
+          <p:cNvPr id="77" name="TextBox 76">
+            <a:extLst>
+              <a:ext uri="{FF2B5EF4-FFF2-40B4-BE49-F238E27FC236}">
+                <a16:creationId xmlns:a16="http://schemas.microsoft.com/office/drawing/2014/main" id="{4849049D-AE2F-402A-AF37-614746B66EB8}"/>
+              </a:ext>
+            </a:extLst>
+          </p:cNvPr>
+          <p:cNvSpPr txBox="1"/>
+          <p:nvPr/>
+        </p:nvSpPr>
+        <p:spPr>
+          <a:xfrm>
+            <a:off x="10793867" y="8014193"/>
+            <a:ext cx="1119869" cy="553998"/>
+          </a:xfrm>
+          <a:prstGeom prst="rect">
+            <a:avLst/>
+          </a:prstGeom>
+          <a:noFill/>
+          <a:ln>
+            <a:solidFill>
+              <a:schemeClr val="tx1"/>
+            </a:solidFill>
+          </a:ln>
+        </p:spPr>
+        <p:txBody>
+          <a:bodyPr wrap="square" rtlCol="0">
+            <a:spAutoFit/>
+          </a:bodyPr>
+          <a:lstStyle/>
+          <a:p>
+            <a:pPr algn="ctr"/>
+            <a:r>
+              <a:rPr lang="en-US" sz="1000" dirty="0"/>
+              <a:t>Read from FTP server which task taken</a:t>
+            </a:r>
+          </a:p>
+        </p:txBody>
+      </p:sp>
+      <p:cxnSp>
+        <p:nvCxnSpPr>
+          <p:cNvPr id="13" name="Straight Connector 12">
+            <a:extLst>
+              <a:ext uri="{FF2B5EF4-FFF2-40B4-BE49-F238E27FC236}">
+                <a16:creationId xmlns:a16="http://schemas.microsoft.com/office/drawing/2014/main" id="{BDBF7879-291D-4461-84E5-48874401B8F2}"/>
+              </a:ext>
+            </a:extLst>
+          </p:cNvPr>
+          <p:cNvCxnSpPr>
+            <a:stCxn id="177" idx="3"/>
+            <a:endCxn id="77" idx="1"/>
+          </p:cNvCxnSpPr>
+          <p:nvPr/>
+        </p:nvCxnSpPr>
+        <p:spPr>
+          <a:xfrm flipV="1">
+            <a:off x="9664713" y="8291192"/>
+            <a:ext cx="1129154" cy="76187"/>
+          </a:xfrm>
+          <a:prstGeom prst="line">
+            <a:avLst/>
+          </a:prstGeom>
+          <a:ln w="9525" cap="flat" cmpd="sng" algn="ctr">
+            <a:solidFill>
+              <a:schemeClr val="dk1"/>
+            </a:solidFill>
+            <a:prstDash val="dash"/>
+            <a:round/>
+            <a:headEnd type="none" w="med" len="med"/>
+            <a:tailEnd type="none" w="med" len="med"/>
+          </a:ln>
+        </p:spPr>
+        <p:style>
+          <a:lnRef idx="0">
+            <a:scrgbClr r="0" g="0" b="0"/>
+          </a:lnRef>
+          <a:fillRef idx="0">
+            <a:scrgbClr r="0" g="0" b="0"/>
+          </a:fillRef>
+          <a:effectRef idx="0">
+            <a:scrgbClr r="0" g="0" b="0"/>
+          </a:effectRef>
+          <a:fontRef idx="minor">
+            <a:schemeClr val="tx1"/>
+          </a:fontRef>
+        </p:style>
+      </p:cxnSp>
     </p:spTree>
     <p:extLst>
       <p:ext uri="{BB962C8B-B14F-4D97-AF65-F5344CB8AC3E}">

--- a/SimWorkflow.pptx
+++ b/SimWorkflow.pptx
@@ -7547,6 +7547,96 @@
           </a:fontRef>
         </p:style>
       </p:cxnSp>
+      <p:sp>
+        <p:nvSpPr>
+          <p:cNvPr id="14" name="Left Brace 13">
+            <a:extLst>
+              <a:ext uri="{FF2B5EF4-FFF2-40B4-BE49-F238E27FC236}">
+                <a16:creationId xmlns:a16="http://schemas.microsoft.com/office/drawing/2014/main" id="{2CA656EE-9FBC-4795-9A87-898DF4F55003}"/>
+              </a:ext>
+            </a:extLst>
+          </p:cNvPr>
+          <p:cNvSpPr/>
+          <p:nvPr/>
+        </p:nvSpPr>
+        <p:spPr>
+          <a:xfrm>
+            <a:off x="5869299" y="8367378"/>
+            <a:ext cx="121622" cy="816366"/>
+          </a:xfrm>
+          <a:prstGeom prst="leftBrace">
+            <a:avLst/>
+          </a:prstGeom>
+          <a:ln>
+            <a:solidFill>
+              <a:schemeClr val="tx1"/>
+            </a:solidFill>
+          </a:ln>
+        </p:spPr>
+        <p:style>
+          <a:lnRef idx="1">
+            <a:schemeClr val="accent1"/>
+          </a:lnRef>
+          <a:fillRef idx="0">
+            <a:schemeClr val="accent1"/>
+          </a:fillRef>
+          <a:effectRef idx="0">
+            <a:schemeClr val="accent1"/>
+          </a:effectRef>
+          <a:fontRef idx="minor">
+            <a:schemeClr val="tx1"/>
+          </a:fontRef>
+        </p:style>
+        <p:txBody>
+          <a:bodyPr rtlCol="0" anchor="ctr"/>
+          <a:lstStyle/>
+          <a:p>
+            <a:pPr algn="ctr"/>
+            <a:endParaRPr lang="en-US"/>
+          </a:p>
+        </p:txBody>
+      </p:sp>
+      <p:sp>
+        <p:nvSpPr>
+          <p:cNvPr id="16" name="TextBox 15">
+            <a:extLst>
+              <a:ext uri="{FF2B5EF4-FFF2-40B4-BE49-F238E27FC236}">
+                <a16:creationId xmlns:a16="http://schemas.microsoft.com/office/drawing/2014/main" id="{1B226E5A-FD4D-45FB-86DE-9AC13E5FC193}"/>
+              </a:ext>
+            </a:extLst>
+          </p:cNvPr>
+          <p:cNvSpPr txBox="1"/>
+          <p:nvPr/>
+        </p:nvSpPr>
+        <p:spPr>
+          <a:xfrm>
+            <a:off x="3429011" y="8652450"/>
+            <a:ext cx="2137124" cy="246221"/>
+          </a:xfrm>
+          <a:prstGeom prst="rect">
+            <a:avLst/>
+          </a:prstGeom>
+          <a:noFill/>
+          <a:ln>
+            <a:solidFill>
+              <a:schemeClr val="tx1"/>
+            </a:solidFill>
+          </a:ln>
+        </p:spPr>
+        <p:txBody>
+          <a:bodyPr wrap="none" rtlCol="0">
+            <a:spAutoFit/>
+          </a:bodyPr>
+          <a:lstStyle/>
+          <a:p>
+            <a:pPr algn="ctr"/>
+            <a:r>
+              <a:rPr lang="en-US" sz="1000" dirty="0"/>
+              <a:t>Should happen near instantaneously</a:t>
+            </a:r>
+          </a:p>
+        </p:txBody>
+      </p:sp>
     </p:spTree>
     <p:extLst>
       <p:ext uri="{BB962C8B-B14F-4D97-AF65-F5344CB8AC3E}">
